--- a/Document/Slide.pptx
+++ b/Document/Slide.pptx
@@ -5,15 +5,16 @@
     <p:sldMasterId id="2147483792" r:id="rId1"/>
   </p:sldMasterIdLst>
   <p:notesMasterIdLst>
-    <p:notesMasterId r:id="rId8"/>
+    <p:notesMasterId r:id="rId9"/>
   </p:notesMasterIdLst>
   <p:sldIdLst>
     <p:sldId id="256" r:id="rId2"/>
-    <p:sldId id="271" r:id="rId3"/>
-    <p:sldId id="270" r:id="rId4"/>
-    <p:sldId id="262" r:id="rId5"/>
-    <p:sldId id="257" r:id="rId6"/>
-    <p:sldId id="258" r:id="rId7"/>
+    <p:sldId id="272" r:id="rId3"/>
+    <p:sldId id="271" r:id="rId4"/>
+    <p:sldId id="270" r:id="rId5"/>
+    <p:sldId id="262" r:id="rId6"/>
+    <p:sldId id="257" r:id="rId7"/>
+    <p:sldId id="258" r:id="rId8"/>
   </p:sldIdLst>
   <p:sldSz cx="9144000" cy="6858000" type="screen4x3"/>
   <p:notesSz cx="6858000" cy="9144000"/>
@@ -197,7 +198,7 @@
           <a:p>
             <a:fld id="{3C2BD045-2432-4DB7-9A10-E046DCC7D4C6}" type="datetimeFigureOut">
               <a:rPr lang="en-US" smtClean="0"/>
-              <a:t>24-Nov-19</a:t>
+              <a:t>25-Nov-19</a:t>
             </a:fld>
             <a:endParaRPr lang="en-US"/>
           </a:p>
@@ -536,7 +537,7 @@
           <a:p>
             <a:fld id="{C493A1F9-5068-4959-99F7-8F345BE92404}" type="datetimeFigureOut">
               <a:rPr lang="en-US" smtClean="0"/>
-              <a:t>24-Nov-19</a:t>
+              <a:t>25-Nov-19</a:t>
             </a:fld>
             <a:endParaRPr lang="en-US"/>
           </a:p>
@@ -1061,7 +1062,7 @@
           <a:p>
             <a:fld id="{C493A1F9-5068-4959-99F7-8F345BE92404}" type="datetimeFigureOut">
               <a:rPr lang="en-US" smtClean="0"/>
-              <a:t>24-Nov-19</a:t>
+              <a:t>25-Nov-19</a:t>
             </a:fld>
             <a:endParaRPr lang="en-US"/>
           </a:p>
@@ -1375,7 +1376,7 @@
           <a:p>
             <a:fld id="{C493A1F9-5068-4959-99F7-8F345BE92404}" type="datetimeFigureOut">
               <a:rPr lang="en-US" smtClean="0"/>
-              <a:t>24-Nov-19</a:t>
+              <a:t>25-Nov-19</a:t>
             </a:fld>
             <a:endParaRPr lang="en-US"/>
           </a:p>
@@ -1661,7 +1662,7 @@
           <a:p>
             <a:fld id="{C493A1F9-5068-4959-99F7-8F345BE92404}" type="datetimeFigureOut">
               <a:rPr lang="en-US" smtClean="0"/>
-              <a:t>24-Nov-19</a:t>
+              <a:t>25-Nov-19</a:t>
             </a:fld>
             <a:endParaRPr lang="en-US"/>
           </a:p>
@@ -2236,7 +2237,7 @@
           <a:p>
             <a:fld id="{C493A1F9-5068-4959-99F7-8F345BE92404}" type="datetimeFigureOut">
               <a:rPr lang="en-US" smtClean="0"/>
-              <a:t>24-Nov-19</a:t>
+              <a:t>25-Nov-19</a:t>
             </a:fld>
             <a:endParaRPr lang="en-US"/>
           </a:p>
@@ -2326,7 +2327,7 @@
           <a:p>
             <a:fld id="{C493A1F9-5068-4959-99F7-8F345BE92404}" type="datetimeFigureOut">
               <a:rPr lang="en-US" smtClean="0"/>
-              <a:t>24-Nov-19</a:t>
+              <a:t>25-Nov-19</a:t>
             </a:fld>
             <a:endParaRPr lang="en-US"/>
           </a:p>
@@ -3035,7 +3036,7 @@
           <a:p>
             <a:fld id="{C493A1F9-5068-4959-99F7-8F345BE92404}" type="datetimeFigureOut">
               <a:rPr lang="en-US" smtClean="0"/>
-              <a:t>24-Nov-19</a:t>
+              <a:t>25-Nov-19</a:t>
             </a:fld>
             <a:endParaRPr lang="en-US"/>
           </a:p>
@@ -3287,7 +3288,7 @@
           <a:p>
             <a:fld id="{C493A1F9-5068-4959-99F7-8F345BE92404}" type="datetimeFigureOut">
               <a:rPr lang="en-US" smtClean="0"/>
-              <a:t>24-Nov-19</a:t>
+              <a:t>25-Nov-19</a:t>
             </a:fld>
             <a:endParaRPr lang="en-US"/>
           </a:p>
@@ -3516,7 +3517,7 @@
           <a:p>
             <a:fld id="{C493A1F9-5068-4959-99F7-8F345BE92404}" type="datetimeFigureOut">
               <a:rPr lang="en-US" smtClean="0"/>
-              <a:t>24-Nov-19</a:t>
+              <a:t>25-Nov-19</a:t>
             </a:fld>
             <a:endParaRPr lang="en-US"/>
           </a:p>
@@ -3790,7 +3791,7 @@
           <a:p>
             <a:fld id="{C493A1F9-5068-4959-99F7-8F345BE92404}" type="datetimeFigureOut">
               <a:rPr lang="en-US" smtClean="0"/>
-              <a:t>24-Nov-19</a:t>
+              <a:t>25-Nov-19</a:t>
             </a:fld>
             <a:endParaRPr lang="en-US"/>
           </a:p>
@@ -4076,7 +4077,7 @@
           <a:p>
             <a:fld id="{C493A1F9-5068-4959-99F7-8F345BE92404}" type="datetimeFigureOut">
               <a:rPr lang="en-US" smtClean="0"/>
-              <a:t>24-Nov-19</a:t>
+              <a:t>25-Nov-19</a:t>
             </a:fld>
             <a:endParaRPr lang="en-US"/>
           </a:p>
@@ -4344,7 +4345,7 @@
           <a:p>
             <a:fld id="{C493A1F9-5068-4959-99F7-8F345BE92404}" type="datetimeFigureOut">
               <a:rPr lang="en-US" smtClean="0"/>
-              <a:t>24-Nov-19</a:t>
+              <a:t>25-Nov-19</a:t>
             </a:fld>
             <a:endParaRPr lang="en-US"/>
           </a:p>
@@ -5237,6 +5238,592 @@
       </p:grpSpPr>
       <p:sp>
         <p:nvSpPr>
+          <p:cNvPr id="2" name="Content Placeholder 1"/>
+          <p:cNvSpPr>
+            <a:spLocks noGrp="1"/>
+          </p:cNvSpPr>
+          <p:nvPr>
+            <p:ph idx="1"/>
+          </p:nvPr>
+        </p:nvSpPr>
+        <p:spPr>
+          <a:xfrm>
+            <a:off x="1374111" y="2286000"/>
+            <a:ext cx="7745505" cy="3877815"/>
+          </a:xfrm>
+        </p:spPr>
+        <p:txBody>
+          <a:bodyPr/>
+          <a:lstStyle/>
+          <a:p>
+            <a:pPr>
+              <a:lnSpc>
+                <a:spcPct val="200000"/>
+              </a:lnSpc>
+            </a:pPr>
+            <a:r>
+              <a:rPr lang="vi-VN" sz="3600" dirty="0" smtClean="0"/>
+              <a:t>HTML, CSS, Javascript.</a:t>
+            </a:r>
+          </a:p>
+          <a:p>
+            <a:pPr>
+              <a:lnSpc>
+                <a:spcPct val="200000"/>
+              </a:lnSpc>
+            </a:pPr>
+            <a:r>
+              <a:rPr lang="vi-VN" sz="3600" dirty="0" smtClean="0"/>
+              <a:t>Bootstrap, Jquery</a:t>
+            </a:r>
+          </a:p>
+          <a:p>
+            <a:pPr>
+              <a:lnSpc>
+                <a:spcPct val="200000"/>
+              </a:lnSpc>
+            </a:pPr>
+            <a:r>
+              <a:rPr lang="vi-VN" sz="3600" dirty="0" smtClean="0"/>
+              <a:t>AJAX</a:t>
+            </a:r>
+            <a:endParaRPr lang="vi-VN" sz="3600" dirty="0"/>
+          </a:p>
+          <a:p>
+            <a:endParaRPr lang="vi-VN" dirty="0" smtClean="0"/>
+          </a:p>
+          <a:p>
+            <a:endParaRPr lang="en-US" dirty="0"/>
+          </a:p>
+        </p:txBody>
+      </p:sp>
+      <p:sp>
+        <p:nvSpPr>
+          <p:cNvPr id="3" name="Title 2"/>
+          <p:cNvSpPr>
+            <a:spLocks noGrp="1"/>
+          </p:cNvSpPr>
+          <p:nvPr>
+            <p:ph type="title"/>
+          </p:nvPr>
+        </p:nvSpPr>
+        <p:spPr/>
+        <p:txBody>
+          <a:bodyPr/>
+          <a:lstStyle/>
+          <a:p>
+            <a:endParaRPr lang="en-US"/>
+          </a:p>
+        </p:txBody>
+      </p:sp>
+      <p:sp>
+        <p:nvSpPr>
+          <p:cNvPr id="4" name="Rectangle 3"/>
+          <p:cNvSpPr/>
+          <p:nvPr/>
+        </p:nvSpPr>
+        <p:spPr>
+          <a:xfrm>
+            <a:off x="1412745" y="533400"/>
+            <a:ext cx="6627135" cy="1107996"/>
+          </a:xfrm>
+          <a:prstGeom prst="rect">
+            <a:avLst/>
+          </a:prstGeom>
+          <a:noFill/>
+        </p:spPr>
+        <p:txBody>
+          <a:bodyPr wrap="none" lIns="91440" tIns="45720" rIns="91440" bIns="45720">
+            <a:spAutoFit/>
+            <a:scene3d>
+              <a:camera prst="orthographicFront"/>
+              <a:lightRig rig="soft" dir="tl">
+                <a:rot lat="0" lon="0" rev="0"/>
+              </a:lightRig>
+            </a:scene3d>
+            <a:sp3d contourW="25400" prstMaterial="matte">
+              <a:bevelT w="25400" h="55880" prst="artDeco"/>
+              <a:contourClr>
+                <a:schemeClr val="accent2">
+                  <a:tint val="20000"/>
+                </a:schemeClr>
+              </a:contourClr>
+            </a:sp3d>
+          </a:bodyPr>
+          <a:lstStyle/>
+          <a:p>
+            <a:pPr algn="ctr"/>
+            <a:r>
+              <a:rPr lang="vi-VN" sz="6600" b="1" cap="none" spc="50" dirty="0" smtClean="0">
+                <a:ln w="11430"/>
+                <a:gradFill>
+                  <a:gsLst>
+                    <a:gs pos="25000">
+                      <a:schemeClr val="accent2">
+                        <a:satMod val="155000"/>
+                      </a:schemeClr>
+                    </a:gs>
+                    <a:gs pos="100000">
+                      <a:schemeClr val="accent2">
+                        <a:shade val="45000"/>
+                        <a:satMod val="165000"/>
+                      </a:schemeClr>
+                    </a:gs>
+                  </a:gsLst>
+                  <a:lin ang="5400000"/>
+                </a:gradFill>
+                <a:effectLst>
+                  <a:outerShdw blurRad="76200" dist="50800" dir="5400000" algn="tl" rotWithShape="0">
+                    <a:srgbClr val="000000">
+                      <a:alpha val="65000"/>
+                    </a:srgbClr>
+                  </a:outerShdw>
+                </a:effectLst>
+              </a:rPr>
+              <a:t>TECH NOLOGY</a:t>
+            </a:r>
+            <a:endParaRPr lang="en-US" sz="6600" b="1" cap="none" spc="50" dirty="0">
+              <a:ln w="11430"/>
+              <a:gradFill>
+                <a:gsLst>
+                  <a:gs pos="25000">
+                    <a:schemeClr val="accent2">
+                      <a:satMod val="155000"/>
+                    </a:schemeClr>
+                  </a:gs>
+                  <a:gs pos="100000">
+                    <a:schemeClr val="accent2">
+                      <a:shade val="45000"/>
+                      <a:satMod val="165000"/>
+                    </a:schemeClr>
+                  </a:gs>
+                </a:gsLst>
+                <a:lin ang="5400000"/>
+              </a:gradFill>
+              <a:effectLst>
+                <a:outerShdw blurRad="76200" dist="50800" dir="5400000" algn="tl" rotWithShape="0">
+                  <a:srgbClr val="000000">
+                    <a:alpha val="65000"/>
+                  </a:srgbClr>
+                </a:outerShdw>
+              </a:effectLst>
+            </a:endParaRPr>
+          </a:p>
+        </p:txBody>
+      </p:sp>
+    </p:spTree>
+    <p:extLst>
+      <p:ext uri="{BB962C8B-B14F-4D97-AF65-F5344CB8AC3E}">
+        <p14:creationId xmlns:p14="http://schemas.microsoft.com/office/powerpoint/2010/main" val="2508421941"/>
+      </p:ext>
+    </p:extLst>
+  </p:cSld>
+  <p:clrMapOvr>
+    <a:masterClrMapping/>
+  </p:clrMapOvr>
+  <p:transition spd="slow">
+    <p:push dir="u"/>
+  </p:transition>
+  <p:timing>
+    <p:tnLst>
+      <p:par>
+        <p:cTn id="1" dur="indefinite" restart="never" nodeType="tmRoot">
+          <p:childTnLst>
+            <p:seq concurrent="1" nextAc="seek">
+              <p:cTn id="2" dur="indefinite" nodeType="mainSeq">
+                <p:childTnLst>
+                  <p:par>
+                    <p:cTn id="3" fill="hold">
+                      <p:stCondLst>
+                        <p:cond delay="indefinite"/>
+                      </p:stCondLst>
+                      <p:childTnLst>
+                        <p:par>
+                          <p:cTn id="4" fill="hold">
+                            <p:stCondLst>
+                              <p:cond delay="0"/>
+                            </p:stCondLst>
+                            <p:childTnLst>
+                              <p:par>
+                                <p:cTn id="5" presetID="42" presetClass="entr" presetSubtype="0" fill="hold" grpId="0" nodeType="clickEffect">
+                                  <p:stCondLst>
+                                    <p:cond delay="0"/>
+                                  </p:stCondLst>
+                                  <p:childTnLst>
+                                    <p:set>
+                                      <p:cBhvr>
+                                        <p:cTn id="6" dur="1" fill="hold">
+                                          <p:stCondLst>
+                                            <p:cond delay="0"/>
+                                          </p:stCondLst>
+                                        </p:cTn>
+                                        <p:tgtEl>
+                                          <p:spTgt spid="2">
+                                            <p:txEl>
+                                              <p:pRg st="0" end="0"/>
+                                            </p:txEl>
+                                          </p:spTgt>
+                                        </p:tgtEl>
+                                        <p:attrNameLst>
+                                          <p:attrName>style.visibility</p:attrName>
+                                        </p:attrNameLst>
+                                      </p:cBhvr>
+                                      <p:to>
+                                        <p:strVal val="visible"/>
+                                      </p:to>
+                                    </p:set>
+                                    <p:animEffect transition="in" filter="fade">
+                                      <p:cBhvr>
+                                        <p:cTn id="7" dur="1000"/>
+                                        <p:tgtEl>
+                                          <p:spTgt spid="2">
+                                            <p:txEl>
+                                              <p:pRg st="0" end="0"/>
+                                            </p:txEl>
+                                          </p:spTgt>
+                                        </p:tgtEl>
+                                      </p:cBhvr>
+                                    </p:animEffect>
+                                    <p:anim calcmode="lin" valueType="num">
+                                      <p:cBhvr>
+                                        <p:cTn id="8" dur="1000" fill="hold"/>
+                                        <p:tgtEl>
+                                          <p:spTgt spid="2">
+                                            <p:txEl>
+                                              <p:pRg st="0" end="0"/>
+                                            </p:txEl>
+                                          </p:spTgt>
+                                        </p:tgtEl>
+                                        <p:attrNameLst>
+                                          <p:attrName>ppt_x</p:attrName>
+                                        </p:attrNameLst>
+                                      </p:cBhvr>
+                                      <p:tavLst>
+                                        <p:tav tm="0">
+                                          <p:val>
+                                            <p:strVal val="#ppt_x"/>
+                                          </p:val>
+                                        </p:tav>
+                                        <p:tav tm="100000">
+                                          <p:val>
+                                            <p:strVal val="#ppt_x"/>
+                                          </p:val>
+                                        </p:tav>
+                                      </p:tavLst>
+                                    </p:anim>
+                                    <p:anim calcmode="lin" valueType="num">
+                                      <p:cBhvr>
+                                        <p:cTn id="9" dur="1000" fill="hold"/>
+                                        <p:tgtEl>
+                                          <p:spTgt spid="2">
+                                            <p:txEl>
+                                              <p:pRg st="0" end="0"/>
+                                            </p:txEl>
+                                          </p:spTgt>
+                                        </p:tgtEl>
+                                        <p:attrNameLst>
+                                          <p:attrName>ppt_y</p:attrName>
+                                        </p:attrNameLst>
+                                      </p:cBhvr>
+                                      <p:tavLst>
+                                        <p:tav tm="0">
+                                          <p:val>
+                                            <p:strVal val="#ppt_y+.1"/>
+                                          </p:val>
+                                        </p:tav>
+                                        <p:tav tm="100000">
+                                          <p:val>
+                                            <p:strVal val="#ppt_y"/>
+                                          </p:val>
+                                        </p:tav>
+                                      </p:tavLst>
+                                    </p:anim>
+                                  </p:childTnLst>
+                                </p:cTn>
+                              </p:par>
+                            </p:childTnLst>
+                          </p:cTn>
+                        </p:par>
+                      </p:childTnLst>
+                    </p:cTn>
+                  </p:par>
+                  <p:par>
+                    <p:cTn id="10" fill="hold">
+                      <p:stCondLst>
+                        <p:cond delay="indefinite"/>
+                      </p:stCondLst>
+                      <p:childTnLst>
+                        <p:par>
+                          <p:cTn id="11" fill="hold">
+                            <p:stCondLst>
+                              <p:cond delay="0"/>
+                            </p:stCondLst>
+                            <p:childTnLst>
+                              <p:par>
+                                <p:cTn id="12" presetID="42" presetClass="entr" presetSubtype="0" fill="hold" grpId="0" nodeType="clickEffect">
+                                  <p:stCondLst>
+                                    <p:cond delay="0"/>
+                                  </p:stCondLst>
+                                  <p:childTnLst>
+                                    <p:set>
+                                      <p:cBhvr>
+                                        <p:cTn id="13" dur="1" fill="hold">
+                                          <p:stCondLst>
+                                            <p:cond delay="0"/>
+                                          </p:stCondLst>
+                                        </p:cTn>
+                                        <p:tgtEl>
+                                          <p:spTgt spid="2">
+                                            <p:txEl>
+                                              <p:pRg st="1" end="1"/>
+                                            </p:txEl>
+                                          </p:spTgt>
+                                        </p:tgtEl>
+                                        <p:attrNameLst>
+                                          <p:attrName>style.visibility</p:attrName>
+                                        </p:attrNameLst>
+                                      </p:cBhvr>
+                                      <p:to>
+                                        <p:strVal val="visible"/>
+                                      </p:to>
+                                    </p:set>
+                                    <p:animEffect transition="in" filter="fade">
+                                      <p:cBhvr>
+                                        <p:cTn id="14" dur="1000"/>
+                                        <p:tgtEl>
+                                          <p:spTgt spid="2">
+                                            <p:txEl>
+                                              <p:pRg st="1" end="1"/>
+                                            </p:txEl>
+                                          </p:spTgt>
+                                        </p:tgtEl>
+                                      </p:cBhvr>
+                                    </p:animEffect>
+                                    <p:anim calcmode="lin" valueType="num">
+                                      <p:cBhvr>
+                                        <p:cTn id="15" dur="1000" fill="hold"/>
+                                        <p:tgtEl>
+                                          <p:spTgt spid="2">
+                                            <p:txEl>
+                                              <p:pRg st="1" end="1"/>
+                                            </p:txEl>
+                                          </p:spTgt>
+                                        </p:tgtEl>
+                                        <p:attrNameLst>
+                                          <p:attrName>ppt_x</p:attrName>
+                                        </p:attrNameLst>
+                                      </p:cBhvr>
+                                      <p:tavLst>
+                                        <p:tav tm="0">
+                                          <p:val>
+                                            <p:strVal val="#ppt_x"/>
+                                          </p:val>
+                                        </p:tav>
+                                        <p:tav tm="100000">
+                                          <p:val>
+                                            <p:strVal val="#ppt_x"/>
+                                          </p:val>
+                                        </p:tav>
+                                      </p:tavLst>
+                                    </p:anim>
+                                    <p:anim calcmode="lin" valueType="num">
+                                      <p:cBhvr>
+                                        <p:cTn id="16" dur="1000" fill="hold"/>
+                                        <p:tgtEl>
+                                          <p:spTgt spid="2">
+                                            <p:txEl>
+                                              <p:pRg st="1" end="1"/>
+                                            </p:txEl>
+                                          </p:spTgt>
+                                        </p:tgtEl>
+                                        <p:attrNameLst>
+                                          <p:attrName>ppt_y</p:attrName>
+                                        </p:attrNameLst>
+                                      </p:cBhvr>
+                                      <p:tavLst>
+                                        <p:tav tm="0">
+                                          <p:val>
+                                            <p:strVal val="#ppt_y+.1"/>
+                                          </p:val>
+                                        </p:tav>
+                                        <p:tav tm="100000">
+                                          <p:val>
+                                            <p:strVal val="#ppt_y"/>
+                                          </p:val>
+                                        </p:tav>
+                                      </p:tavLst>
+                                    </p:anim>
+                                  </p:childTnLst>
+                                </p:cTn>
+                              </p:par>
+                            </p:childTnLst>
+                          </p:cTn>
+                        </p:par>
+                      </p:childTnLst>
+                    </p:cTn>
+                  </p:par>
+                  <p:par>
+                    <p:cTn id="17" fill="hold">
+                      <p:stCondLst>
+                        <p:cond delay="indefinite"/>
+                      </p:stCondLst>
+                      <p:childTnLst>
+                        <p:par>
+                          <p:cTn id="18" fill="hold">
+                            <p:stCondLst>
+                              <p:cond delay="0"/>
+                            </p:stCondLst>
+                            <p:childTnLst>
+                              <p:par>
+                                <p:cTn id="19" presetID="42" presetClass="entr" presetSubtype="0" fill="hold" grpId="0" nodeType="clickEffect">
+                                  <p:stCondLst>
+                                    <p:cond delay="0"/>
+                                  </p:stCondLst>
+                                  <p:childTnLst>
+                                    <p:set>
+                                      <p:cBhvr>
+                                        <p:cTn id="20" dur="1" fill="hold">
+                                          <p:stCondLst>
+                                            <p:cond delay="0"/>
+                                          </p:stCondLst>
+                                        </p:cTn>
+                                        <p:tgtEl>
+                                          <p:spTgt spid="2">
+                                            <p:txEl>
+                                              <p:pRg st="2" end="2"/>
+                                            </p:txEl>
+                                          </p:spTgt>
+                                        </p:tgtEl>
+                                        <p:attrNameLst>
+                                          <p:attrName>style.visibility</p:attrName>
+                                        </p:attrNameLst>
+                                      </p:cBhvr>
+                                      <p:to>
+                                        <p:strVal val="visible"/>
+                                      </p:to>
+                                    </p:set>
+                                    <p:animEffect transition="in" filter="fade">
+                                      <p:cBhvr>
+                                        <p:cTn id="21" dur="1000"/>
+                                        <p:tgtEl>
+                                          <p:spTgt spid="2">
+                                            <p:txEl>
+                                              <p:pRg st="2" end="2"/>
+                                            </p:txEl>
+                                          </p:spTgt>
+                                        </p:tgtEl>
+                                      </p:cBhvr>
+                                    </p:animEffect>
+                                    <p:anim calcmode="lin" valueType="num">
+                                      <p:cBhvr>
+                                        <p:cTn id="22" dur="1000" fill="hold"/>
+                                        <p:tgtEl>
+                                          <p:spTgt spid="2">
+                                            <p:txEl>
+                                              <p:pRg st="2" end="2"/>
+                                            </p:txEl>
+                                          </p:spTgt>
+                                        </p:tgtEl>
+                                        <p:attrNameLst>
+                                          <p:attrName>ppt_x</p:attrName>
+                                        </p:attrNameLst>
+                                      </p:cBhvr>
+                                      <p:tavLst>
+                                        <p:tav tm="0">
+                                          <p:val>
+                                            <p:strVal val="#ppt_x"/>
+                                          </p:val>
+                                        </p:tav>
+                                        <p:tav tm="100000">
+                                          <p:val>
+                                            <p:strVal val="#ppt_x"/>
+                                          </p:val>
+                                        </p:tav>
+                                      </p:tavLst>
+                                    </p:anim>
+                                    <p:anim calcmode="lin" valueType="num">
+                                      <p:cBhvr>
+                                        <p:cTn id="23" dur="1000" fill="hold"/>
+                                        <p:tgtEl>
+                                          <p:spTgt spid="2">
+                                            <p:txEl>
+                                              <p:pRg st="2" end="2"/>
+                                            </p:txEl>
+                                          </p:spTgt>
+                                        </p:tgtEl>
+                                        <p:attrNameLst>
+                                          <p:attrName>ppt_y</p:attrName>
+                                        </p:attrNameLst>
+                                      </p:cBhvr>
+                                      <p:tavLst>
+                                        <p:tav tm="0">
+                                          <p:val>
+                                            <p:strVal val="#ppt_y+.1"/>
+                                          </p:val>
+                                        </p:tav>
+                                        <p:tav tm="100000">
+                                          <p:val>
+                                            <p:strVal val="#ppt_y"/>
+                                          </p:val>
+                                        </p:tav>
+                                      </p:tavLst>
+                                    </p:anim>
+                                  </p:childTnLst>
+                                </p:cTn>
+                              </p:par>
+                            </p:childTnLst>
+                          </p:cTn>
+                        </p:par>
+                      </p:childTnLst>
+                    </p:cTn>
+                  </p:par>
+                </p:childTnLst>
+              </p:cTn>
+              <p:prevCondLst>
+                <p:cond evt="onPrev" delay="0">
+                  <p:tgtEl>
+                    <p:sldTgt/>
+                  </p:tgtEl>
+                </p:cond>
+              </p:prevCondLst>
+              <p:nextCondLst>
+                <p:cond evt="onNext" delay="0">
+                  <p:tgtEl>
+                    <p:sldTgt/>
+                  </p:tgtEl>
+                </p:cond>
+              </p:nextCondLst>
+            </p:seq>
+          </p:childTnLst>
+        </p:cTn>
+      </p:par>
+    </p:tnLst>
+    <p:bldLst>
+      <p:bldP spid="2" grpId="0" build="p"/>
+    </p:bldLst>
+  </p:timing>
+</p:sld>
+</file>
+
+<file path=ppt/slides/slide3.xml><?xml version="1.0" encoding="utf-8"?>
+<p:sld xmlns:a="http://schemas.openxmlformats.org/drawingml/2006/main" xmlns:r="http://schemas.openxmlformats.org/officeDocument/2006/relationships" xmlns:p="http://schemas.openxmlformats.org/presentationml/2006/main">
+  <p:cSld>
+    <p:spTree>
+      <p:nvGrpSpPr>
+        <p:cNvPr id="1" name=""/>
+        <p:cNvGrpSpPr/>
+        <p:nvPr/>
+      </p:nvGrpSpPr>
+      <p:grpSpPr>
+        <a:xfrm>
+          <a:off x="0" y="0"/>
+          <a:ext cx="0" cy="0"/>
+          <a:chOff x="0" y="0"/>
+          <a:chExt cx="0" cy="0"/>
+        </a:xfrm>
+      </p:grpSpPr>
+      <p:sp>
+        <p:nvSpPr>
           <p:cNvPr id="5" name="Rectangle 4"/>
           <p:cNvSpPr/>
           <p:nvPr/>
@@ -5459,7 +6046,7 @@
 </p:sld>
 </file>
 
-<file path=ppt/slides/slide3.xml><?xml version="1.0" encoding="utf-8"?>
+<file path=ppt/slides/slide4.xml><?xml version="1.0" encoding="utf-8"?>
 <p:sld xmlns:a="http://schemas.openxmlformats.org/drawingml/2006/main" xmlns:r="http://schemas.openxmlformats.org/officeDocument/2006/relationships" xmlns:p="http://schemas.openxmlformats.org/presentationml/2006/main">
   <p:cSld>
     <p:spTree>
@@ -5700,7 +6287,7 @@
 </p:sld>
 </file>
 
-<file path=ppt/slides/slide4.xml><?xml version="1.0" encoding="utf-8"?>
+<file path=ppt/slides/slide5.xml><?xml version="1.0" encoding="utf-8"?>
 <p:sld xmlns:a="http://schemas.openxmlformats.org/drawingml/2006/main" xmlns:r="http://schemas.openxmlformats.org/officeDocument/2006/relationships" xmlns:p="http://schemas.openxmlformats.org/presentationml/2006/main">
   <p:cSld>
     <p:spTree>
@@ -6731,7 +7318,7 @@
 </p:sld>
 </file>
 
-<file path=ppt/slides/slide5.xml><?xml version="1.0" encoding="utf-8"?>
+<file path=ppt/slides/slide6.xml><?xml version="1.0" encoding="utf-8"?>
 <p:sld xmlns:a="http://schemas.openxmlformats.org/drawingml/2006/main" xmlns:r="http://schemas.openxmlformats.org/officeDocument/2006/relationships" xmlns:p="http://schemas.openxmlformats.org/presentationml/2006/main">
   <p:cSld>
     <p:spTree>
@@ -7912,7 +8499,7 @@
 </p:sld>
 </file>
 
-<file path=ppt/slides/slide6.xml><?xml version="1.0" encoding="utf-8"?>
+<file path=ppt/slides/slide7.xml><?xml version="1.0" encoding="utf-8"?>
 <p:sld xmlns:a="http://schemas.openxmlformats.org/drawingml/2006/main" xmlns:r="http://schemas.openxmlformats.org/officeDocument/2006/relationships" xmlns:p="http://schemas.openxmlformats.org/presentationml/2006/main">
   <p:cSld>
     <p:spTree>

--- a/Document/Slide.pptx
+++ b/Document/Slide.pptx
@@ -5253,7 +5253,9 @@
           </a:xfrm>
         </p:spPr>
         <p:txBody>
-          <a:bodyPr/>
+          <a:bodyPr>
+            <a:normAutofit fontScale="85000" lnSpcReduction="20000"/>
+          </a:bodyPr>
           <a:lstStyle/>
           <a:p>
             <a:pPr>
@@ -5286,6 +5288,17 @@
             <a:r>
               <a:rPr lang="vi-VN" sz="3600" dirty="0" smtClean="0"/>
               <a:t>AJAX</a:t>
+            </a:r>
+          </a:p>
+          <a:p>
+            <a:pPr>
+              <a:lnSpc>
+                <a:spcPct val="200000"/>
+              </a:lnSpc>
+            </a:pPr>
+            <a:r>
+              <a:rPr lang="vi-VN" sz="3600" dirty="0" smtClean="0"/>
+              <a:t>GIT</a:t>
             </a:r>
             <a:endParaRPr lang="vi-VN" sz="3600" dirty="0"/>
           </a:p>
@@ -5748,6 +5761,121 @@
                                           <p:spTgt spid="2">
                                             <p:txEl>
                                               <p:pRg st="2" end="2"/>
+                                            </p:txEl>
+                                          </p:spTgt>
+                                        </p:tgtEl>
+                                        <p:attrNameLst>
+                                          <p:attrName>ppt_y</p:attrName>
+                                        </p:attrNameLst>
+                                      </p:cBhvr>
+                                      <p:tavLst>
+                                        <p:tav tm="0">
+                                          <p:val>
+                                            <p:strVal val="#ppt_y+.1"/>
+                                          </p:val>
+                                        </p:tav>
+                                        <p:tav tm="100000">
+                                          <p:val>
+                                            <p:strVal val="#ppt_y"/>
+                                          </p:val>
+                                        </p:tav>
+                                      </p:tavLst>
+                                    </p:anim>
+                                  </p:childTnLst>
+                                </p:cTn>
+                              </p:par>
+                            </p:childTnLst>
+                          </p:cTn>
+                        </p:par>
+                      </p:childTnLst>
+                    </p:cTn>
+                  </p:par>
+                  <p:par>
+                    <p:cTn id="24" fill="hold">
+                      <p:stCondLst>
+                        <p:cond delay="indefinite"/>
+                      </p:stCondLst>
+                      <p:childTnLst>
+                        <p:par>
+                          <p:cTn id="25" fill="hold">
+                            <p:stCondLst>
+                              <p:cond delay="0"/>
+                            </p:stCondLst>
+                            <p:childTnLst>
+                              <p:par>
+                                <p:cTn id="26" presetID="42" presetClass="entr" presetSubtype="0" fill="hold" grpId="0" nodeType="clickEffect">
+                                  <p:stCondLst>
+                                    <p:cond delay="0"/>
+                                  </p:stCondLst>
+                                  <p:childTnLst>
+                                    <p:set>
+                                      <p:cBhvr>
+                                        <p:cTn id="27" dur="1" fill="hold">
+                                          <p:stCondLst>
+                                            <p:cond delay="0"/>
+                                          </p:stCondLst>
+                                        </p:cTn>
+                                        <p:tgtEl>
+                                          <p:spTgt spid="2">
+                                            <p:txEl>
+                                              <p:pRg st="3" end="3"/>
+                                            </p:txEl>
+                                          </p:spTgt>
+                                        </p:tgtEl>
+                                        <p:attrNameLst>
+                                          <p:attrName>style.visibility</p:attrName>
+                                        </p:attrNameLst>
+                                      </p:cBhvr>
+                                      <p:to>
+                                        <p:strVal val="visible"/>
+                                      </p:to>
+                                    </p:set>
+                                    <p:animEffect transition="in" filter="fade">
+                                      <p:cBhvr>
+                                        <p:cTn id="28" dur="1000"/>
+                                        <p:tgtEl>
+                                          <p:spTgt spid="2">
+                                            <p:txEl>
+                                              <p:pRg st="3" end="3"/>
+                                            </p:txEl>
+                                          </p:spTgt>
+                                        </p:tgtEl>
+                                      </p:cBhvr>
+                                    </p:animEffect>
+                                    <p:anim calcmode="lin" valueType="num">
+                                      <p:cBhvr>
+                                        <p:cTn id="29" dur="1000" fill="hold"/>
+                                        <p:tgtEl>
+                                          <p:spTgt spid="2">
+                                            <p:txEl>
+                                              <p:pRg st="3" end="3"/>
+                                            </p:txEl>
+                                          </p:spTgt>
+                                        </p:tgtEl>
+                                        <p:attrNameLst>
+                                          <p:attrName>ppt_x</p:attrName>
+                                        </p:attrNameLst>
+                                      </p:cBhvr>
+                                      <p:tavLst>
+                                        <p:tav tm="0">
+                                          <p:val>
+                                            <p:strVal val="#ppt_x"/>
+                                          </p:val>
+                                        </p:tav>
+                                        <p:tav tm="100000">
+                                          <p:val>
+                                            <p:strVal val="#ppt_x"/>
+                                          </p:val>
+                                        </p:tav>
+                                      </p:tavLst>
+                                    </p:anim>
+                                    <p:anim calcmode="lin" valueType="num">
+                                      <p:cBhvr>
+                                        <p:cTn id="30" dur="1000" fill="hold"/>
+                                        <p:tgtEl>
+                                          <p:spTgt spid="2">
+                                            <p:txEl>
+                                              <p:pRg st="3" end="3"/>
                                             </p:txEl>
                                           </p:spTgt>
                                         </p:tgtEl>
